--- a/pic/xulun/fig.pptx
+++ b/pic/xulun/fig.pptx
@@ -6,6 +6,7 @@
   </p:sldMasterIdLst>
   <p:sldIdLst>
     <p:sldId id="256" r:id="rId2"/>
+    <p:sldId id="257" r:id="rId3"/>
   </p:sldIdLst>
   <p:sldSz cx="12192000" cy="6858000"/>
   <p:notesSz cx="6858000" cy="9144000"/>
@@ -104,13 +105,18 @@
       </a:defRPr>
     </a:lvl9pPr>
   </p:defaultTextStyle>
+  <p:extLst>
+    <p:ext uri="{EFAFB233-063F-42B5-8137-9DF3F51BA10A}">
+      <p15:sldGuideLst xmlns:p15="http://schemas.microsoft.com/office/powerpoint/2012/main"/>
+    </p:ext>
+  </p:extLst>
 </p:presentation>
 </file>
 
 <file path=ppt/revisionInfo.xml><?xml version="1.0" encoding="utf-8"?>
 <p1510:revInfo xmlns:a="http://schemas.openxmlformats.org/drawingml/2006/main" xmlns:r="http://schemas.openxmlformats.org/officeDocument/2006/relationships" xmlns:p1510="http://schemas.microsoft.com/office/powerpoint/2015/10/main">
   <p1510:revLst>
-    <p1510:client id="{F1F8EE7D-2DCA-4D71-9E4D-B597DACEA0E2}" v="10" dt="2020-03-19T06:51:15.176"/>
+    <p1510:client id="{F1F8EE7D-2DCA-4D71-9E4D-B597DACEA0E2}" v="21" dt="2020-04-02T03:20:42.936"/>
   </p1510:revLst>
 </p1510:revInfo>
 </file>
@@ -119,8 +125,8 @@
 <pc:chgInfo xmlns:a="http://schemas.openxmlformats.org/drawingml/2006/main" xmlns:r="http://schemas.openxmlformats.org/officeDocument/2006/relationships" xmlns:ac="http://schemas.microsoft.com/office/drawing/2013/main/command" xmlns:pc="http://schemas.microsoft.com/office/powerpoint/2013/main/command">
   <pc:docChgLst>
     <pc:chgData name="Andy Shiang Hu" userId="80fa400d-f861-43d4-af19-39343cd31f21" providerId="ADAL" clId="{F1F8EE7D-2DCA-4D71-9E4D-B597DACEA0E2}"/>
-    <pc:docChg chg="custSel addSld modSld">
-      <pc:chgData name="Andy Shiang Hu" userId="80fa400d-f861-43d4-af19-39343cd31f21" providerId="ADAL" clId="{F1F8EE7D-2DCA-4D71-9E4D-B597DACEA0E2}" dt="2020-03-19T06:51:29.865" v="23" actId="1076"/>
+    <pc:docChg chg="undo custSel addSld modSld">
+      <pc:chgData name="Andy Shiang Hu" userId="80fa400d-f861-43d4-af19-39343cd31f21" providerId="ADAL" clId="{F1F8EE7D-2DCA-4D71-9E4D-B597DACEA0E2}" dt="2020-04-02T03:20:42.936" v="77" actId="164"/>
       <pc:docMkLst>
         <pc:docMk/>
       </pc:docMkLst>
@@ -195,6 +201,77 @@
           </ac:picMkLst>
         </pc:picChg>
       </pc:sldChg>
+      <pc:sldChg chg="addSp delSp modSp add">
+        <pc:chgData name="Andy Shiang Hu" userId="80fa400d-f861-43d4-af19-39343cd31f21" providerId="ADAL" clId="{F1F8EE7D-2DCA-4D71-9E4D-B597DACEA0E2}" dt="2020-04-02T03:20:42.936" v="77" actId="164"/>
+        <pc:sldMkLst>
+          <pc:docMk/>
+          <pc:sldMk cId="3125577835" sldId="257"/>
+        </pc:sldMkLst>
+        <pc:spChg chg="del">
+          <ac:chgData name="Andy Shiang Hu" userId="80fa400d-f861-43d4-af19-39343cd31f21" providerId="ADAL" clId="{F1F8EE7D-2DCA-4D71-9E4D-B597DACEA0E2}" dt="2020-04-02T03:19:08.554" v="26" actId="478"/>
+          <ac:spMkLst>
+            <pc:docMk/>
+            <pc:sldMk cId="3125577835" sldId="257"/>
+            <ac:spMk id="2" creationId="{6DD1E42E-6682-426B-8D8C-BD4A392066EE}"/>
+          </ac:spMkLst>
+        </pc:spChg>
+        <pc:spChg chg="del">
+          <ac:chgData name="Andy Shiang Hu" userId="80fa400d-f861-43d4-af19-39343cd31f21" providerId="ADAL" clId="{F1F8EE7D-2DCA-4D71-9E4D-B597DACEA0E2}" dt="2020-04-02T03:19:07.216" v="25" actId="478"/>
+          <ac:spMkLst>
+            <pc:docMk/>
+            <pc:sldMk cId="3125577835" sldId="257"/>
+            <ac:spMk id="3" creationId="{3952E8A9-9ACB-4B11-918D-D7819EEF68C1}"/>
+          </ac:spMkLst>
+        </pc:spChg>
+        <pc:spChg chg="add mod">
+          <ac:chgData name="Andy Shiang Hu" userId="80fa400d-f861-43d4-af19-39343cd31f21" providerId="ADAL" clId="{F1F8EE7D-2DCA-4D71-9E4D-B597DACEA0E2}" dt="2020-04-02T03:20:42.936" v="77" actId="164"/>
+          <ac:spMkLst>
+            <pc:docMk/>
+            <pc:sldMk cId="3125577835" sldId="257"/>
+            <ac:spMk id="9" creationId="{9172460D-0ABA-4585-B103-0BC70DF7BB8E}"/>
+          </ac:spMkLst>
+        </pc:spChg>
+        <pc:spChg chg="add mod">
+          <ac:chgData name="Andy Shiang Hu" userId="80fa400d-f861-43d4-af19-39343cd31f21" providerId="ADAL" clId="{F1F8EE7D-2DCA-4D71-9E4D-B597DACEA0E2}" dt="2020-04-02T03:20:42.936" v="77" actId="164"/>
+          <ac:spMkLst>
+            <pc:docMk/>
+            <pc:sldMk cId="3125577835" sldId="257"/>
+            <ac:spMk id="10" creationId="{AA5B64DD-EA19-49D5-80D7-0653F95F0655}"/>
+          </ac:spMkLst>
+        </pc:spChg>
+        <pc:grpChg chg="add mod">
+          <ac:chgData name="Andy Shiang Hu" userId="80fa400d-f861-43d4-af19-39343cd31f21" providerId="ADAL" clId="{F1F8EE7D-2DCA-4D71-9E4D-B597DACEA0E2}" dt="2020-04-02T03:20:42.936" v="77" actId="164"/>
+          <ac:grpSpMkLst>
+            <pc:docMk/>
+            <pc:sldMk cId="3125577835" sldId="257"/>
+            <ac:grpSpMk id="11" creationId="{4FB52725-375A-4C72-BD33-2C79CE82C897}"/>
+          </ac:grpSpMkLst>
+        </pc:grpChg>
+        <pc:graphicFrameChg chg="add del mod">
+          <ac:chgData name="Andy Shiang Hu" userId="80fa400d-f861-43d4-af19-39343cd31f21" providerId="ADAL" clId="{F1F8EE7D-2DCA-4D71-9E4D-B597DACEA0E2}" dt="2020-04-02T03:19:21.828" v="29"/>
+          <ac:graphicFrameMkLst>
+            <pc:docMk/>
+            <pc:sldMk cId="3125577835" sldId="257"/>
+            <ac:graphicFrameMk id="4" creationId="{219CBCE9-832F-41E4-8E20-346B55BFDB9F}"/>
+          </ac:graphicFrameMkLst>
+        </pc:graphicFrameChg>
+        <pc:picChg chg="add mod">
+          <ac:chgData name="Andy Shiang Hu" userId="80fa400d-f861-43d4-af19-39343cd31f21" providerId="ADAL" clId="{F1F8EE7D-2DCA-4D71-9E4D-B597DACEA0E2}" dt="2020-04-02T03:20:42.936" v="77" actId="164"/>
+          <ac:picMkLst>
+            <pc:docMk/>
+            <pc:sldMk cId="3125577835" sldId="257"/>
+            <ac:picMk id="6" creationId="{AAA80618-4AC5-4305-9A11-455312C9C0FD}"/>
+          </ac:picMkLst>
+        </pc:picChg>
+        <pc:picChg chg="add mod">
+          <ac:chgData name="Andy Shiang Hu" userId="80fa400d-f861-43d4-af19-39343cd31f21" providerId="ADAL" clId="{F1F8EE7D-2DCA-4D71-9E4D-B597DACEA0E2}" dt="2020-04-02T03:20:42.936" v="77" actId="164"/>
+          <ac:picMkLst>
+            <pc:docMk/>
+            <pc:sldMk cId="3125577835" sldId="257"/>
+            <ac:picMk id="8" creationId="{5D657829-F643-4ED9-A67C-F6AAB7CDC3CA}"/>
+          </ac:picMkLst>
+        </pc:picChg>
+      </pc:sldChg>
     </pc:docChg>
   </pc:docChgLst>
 </pc:chgInfo>
@@ -347,7 +424,7 @@
           <a:p>
             <a:fld id="{97417CE8-8CA2-41F5-8C2B-AD463AAE4AD7}" type="datetimeFigureOut">
               <a:rPr lang="en-US" smtClean="0"/>
-              <a:t>3/19/2020</a:t>
+              <a:t>4/2/2020</a:t>
             </a:fld>
             <a:endParaRPr lang="en-US"/>
           </a:p>
@@ -545,7 +622,7 @@
           <a:p>
             <a:fld id="{97417CE8-8CA2-41F5-8C2B-AD463AAE4AD7}" type="datetimeFigureOut">
               <a:rPr lang="en-US" smtClean="0"/>
-              <a:t>3/19/2020</a:t>
+              <a:t>4/2/2020</a:t>
             </a:fld>
             <a:endParaRPr lang="en-US"/>
           </a:p>
@@ -753,7 +830,7 @@
           <a:p>
             <a:fld id="{97417CE8-8CA2-41F5-8C2B-AD463AAE4AD7}" type="datetimeFigureOut">
               <a:rPr lang="en-US" smtClean="0"/>
-              <a:t>3/19/2020</a:t>
+              <a:t>4/2/2020</a:t>
             </a:fld>
             <a:endParaRPr lang="en-US"/>
           </a:p>
@@ -951,7 +1028,7 @@
           <a:p>
             <a:fld id="{97417CE8-8CA2-41F5-8C2B-AD463AAE4AD7}" type="datetimeFigureOut">
               <a:rPr lang="en-US" smtClean="0"/>
-              <a:t>3/19/2020</a:t>
+              <a:t>4/2/2020</a:t>
             </a:fld>
             <a:endParaRPr lang="en-US"/>
           </a:p>
@@ -1226,7 +1303,7 @@
           <a:p>
             <a:fld id="{97417CE8-8CA2-41F5-8C2B-AD463AAE4AD7}" type="datetimeFigureOut">
               <a:rPr lang="en-US" smtClean="0"/>
-              <a:t>3/19/2020</a:t>
+              <a:t>4/2/2020</a:t>
             </a:fld>
             <a:endParaRPr lang="en-US"/>
           </a:p>
@@ -1491,7 +1568,7 @@
           <a:p>
             <a:fld id="{97417CE8-8CA2-41F5-8C2B-AD463AAE4AD7}" type="datetimeFigureOut">
               <a:rPr lang="en-US" smtClean="0"/>
-              <a:t>3/19/2020</a:t>
+              <a:t>4/2/2020</a:t>
             </a:fld>
             <a:endParaRPr lang="en-US"/>
           </a:p>
@@ -1903,7 +1980,7 @@
           <a:p>
             <a:fld id="{97417CE8-8CA2-41F5-8C2B-AD463AAE4AD7}" type="datetimeFigureOut">
               <a:rPr lang="en-US" smtClean="0"/>
-              <a:t>3/19/2020</a:t>
+              <a:t>4/2/2020</a:t>
             </a:fld>
             <a:endParaRPr lang="en-US"/>
           </a:p>
@@ -2044,7 +2121,7 @@
           <a:p>
             <a:fld id="{97417CE8-8CA2-41F5-8C2B-AD463AAE4AD7}" type="datetimeFigureOut">
               <a:rPr lang="en-US" smtClean="0"/>
-              <a:t>3/19/2020</a:t>
+              <a:t>4/2/2020</a:t>
             </a:fld>
             <a:endParaRPr lang="en-US"/>
           </a:p>
@@ -2157,7 +2234,7 @@
           <a:p>
             <a:fld id="{97417CE8-8CA2-41F5-8C2B-AD463AAE4AD7}" type="datetimeFigureOut">
               <a:rPr lang="en-US" smtClean="0"/>
-              <a:t>3/19/2020</a:t>
+              <a:t>4/2/2020</a:t>
             </a:fld>
             <a:endParaRPr lang="en-US"/>
           </a:p>
@@ -2468,7 +2545,7 @@
           <a:p>
             <a:fld id="{97417CE8-8CA2-41F5-8C2B-AD463AAE4AD7}" type="datetimeFigureOut">
               <a:rPr lang="en-US" smtClean="0"/>
-              <a:t>3/19/2020</a:t>
+              <a:t>4/2/2020</a:t>
             </a:fld>
             <a:endParaRPr lang="en-US"/>
           </a:p>
@@ -2756,7 +2833,7 @@
           <a:p>
             <a:fld id="{97417CE8-8CA2-41F5-8C2B-AD463AAE4AD7}" type="datetimeFigureOut">
               <a:rPr lang="en-US" smtClean="0"/>
-              <a:t>3/19/2020</a:t>
+              <a:t>4/2/2020</a:t>
             </a:fld>
             <a:endParaRPr lang="en-US"/>
           </a:p>
@@ -2997,7 +3074,7 @@
           <a:p>
             <a:fld id="{97417CE8-8CA2-41F5-8C2B-AD463AAE4AD7}" type="datetimeFigureOut">
               <a:rPr lang="en-US" smtClean="0"/>
-              <a:t>3/19/2020</a:t>
+              <a:t>4/2/2020</a:t>
             </a:fld>
             <a:endParaRPr lang="en-US"/>
           </a:p>
@@ -3559,6 +3636,203 @@
 </p:sld>
 </file>
 
+<file path=ppt/slides/slide2.xml><?xml version="1.0" encoding="utf-8"?>
+<p:sld xmlns:a="http://schemas.openxmlformats.org/drawingml/2006/main" xmlns:r="http://schemas.openxmlformats.org/officeDocument/2006/relationships" xmlns:p="http://schemas.openxmlformats.org/presentationml/2006/main">
+  <p:cSld>
+    <p:spTree>
+      <p:nvGrpSpPr>
+        <p:cNvPr id="1" name=""/>
+        <p:cNvGrpSpPr/>
+        <p:nvPr/>
+      </p:nvGrpSpPr>
+      <p:grpSpPr>
+        <a:xfrm>
+          <a:off x="0" y="0"/>
+          <a:ext cx="0" cy="0"/>
+          <a:chOff x="0" y="0"/>
+          <a:chExt cx="0" cy="0"/>
+        </a:xfrm>
+      </p:grpSpPr>
+      <p:grpSp>
+        <p:nvGrpSpPr>
+          <p:cNvPr id="11" name="Group 10">
+            <a:extLst>
+              <a:ext uri="{FF2B5EF4-FFF2-40B4-BE49-F238E27FC236}">
+                <a16:creationId xmlns:a16="http://schemas.microsoft.com/office/drawing/2014/main" id="{4FB52725-375A-4C72-BD33-2C79CE82C897}"/>
+              </a:ext>
+            </a:extLst>
+          </p:cNvPr>
+          <p:cNvGrpSpPr/>
+          <p:nvPr/>
+        </p:nvGrpSpPr>
+        <p:grpSpPr>
+          <a:xfrm>
+            <a:off x="2036866" y="1570724"/>
+            <a:ext cx="7212095" cy="2769226"/>
+            <a:chOff x="2036866" y="1570724"/>
+            <a:chExt cx="7212095" cy="2769226"/>
+          </a:xfrm>
+        </p:grpSpPr>
+        <p:pic>
+          <p:nvPicPr>
+            <p:cNvPr id="6" name="Picture 5" descr="A close up of a piece of paper&#10;&#10;Description automatically generated">
+              <a:extLst>
+                <a:ext uri="{FF2B5EF4-FFF2-40B4-BE49-F238E27FC236}">
+                  <a16:creationId xmlns:a16="http://schemas.microsoft.com/office/drawing/2014/main" id="{AAA80618-4AC5-4305-9A11-455312C9C0FD}"/>
+                </a:ext>
+              </a:extLst>
+            </p:cNvPr>
+            <p:cNvPicPr>
+              <a:picLocks noChangeAspect="1"/>
+            </p:cNvPicPr>
+            <p:nvPr/>
+          </p:nvPicPr>
+          <p:blipFill>
+            <a:blip r:embed="rId2">
+              <a:extLst>
+                <a:ext uri="{28A0092B-C50C-407E-A947-70E740481C1C}">
+                  <a14:useLocalDpi xmlns:a14="http://schemas.microsoft.com/office/drawing/2010/main" val="0"/>
+                </a:ext>
+              </a:extLst>
+            </a:blip>
+            <a:stretch>
+              <a:fillRect/>
+            </a:stretch>
+          </p:blipFill>
+          <p:spPr>
+            <a:xfrm>
+              <a:off x="5900758" y="1733678"/>
+              <a:ext cx="3348203" cy="2606272"/>
+            </a:xfrm>
+            <a:prstGeom prst="rect">
+              <a:avLst/>
+            </a:prstGeom>
+          </p:spPr>
+        </p:pic>
+        <p:pic>
+          <p:nvPicPr>
+            <p:cNvPr id="8" name="Picture 7" descr="A close up of a map&#10;&#10;Description automatically generated">
+              <a:extLst>
+                <a:ext uri="{FF2B5EF4-FFF2-40B4-BE49-F238E27FC236}">
+                  <a16:creationId xmlns:a16="http://schemas.microsoft.com/office/drawing/2014/main" id="{5D657829-F643-4ED9-A67C-F6AAB7CDC3CA}"/>
+                </a:ext>
+              </a:extLst>
+            </p:cNvPr>
+            <p:cNvPicPr>
+              <a:picLocks noChangeAspect="1"/>
+            </p:cNvPicPr>
+            <p:nvPr/>
+          </p:nvPicPr>
+          <p:blipFill>
+            <a:blip r:embed="rId3">
+              <a:extLst>
+                <a:ext uri="{28A0092B-C50C-407E-A947-70E740481C1C}">
+                  <a14:useLocalDpi xmlns:a14="http://schemas.microsoft.com/office/drawing/2010/main" val="0"/>
+                </a:ext>
+              </a:extLst>
+            </a:blip>
+            <a:stretch>
+              <a:fillRect/>
+            </a:stretch>
+          </p:blipFill>
+          <p:spPr>
+            <a:xfrm>
+              <a:off x="2110155" y="1801558"/>
+              <a:ext cx="3042244" cy="2538392"/>
+            </a:xfrm>
+            <a:prstGeom prst="rect">
+              <a:avLst/>
+            </a:prstGeom>
+          </p:spPr>
+        </p:pic>
+        <p:sp>
+          <p:nvSpPr>
+            <p:cNvPr id="9" name="TextBox 8">
+              <a:extLst>
+                <a:ext uri="{FF2B5EF4-FFF2-40B4-BE49-F238E27FC236}">
+                  <a16:creationId xmlns:a16="http://schemas.microsoft.com/office/drawing/2014/main" id="{9172460D-0ABA-4585-B103-0BC70DF7BB8E}"/>
+                </a:ext>
+              </a:extLst>
+            </p:cNvPr>
+            <p:cNvSpPr txBox="1"/>
+            <p:nvPr/>
+          </p:nvSpPr>
+          <p:spPr>
+            <a:xfrm>
+              <a:off x="2036866" y="1570725"/>
+              <a:ext cx="416135" cy="461665"/>
+            </a:xfrm>
+            <a:prstGeom prst="rect">
+              <a:avLst/>
+            </a:prstGeom>
+            <a:noFill/>
+          </p:spPr>
+          <p:txBody>
+            <a:bodyPr wrap="square" rtlCol="0">
+              <a:spAutoFit/>
+            </a:bodyPr>
+            <a:lstStyle/>
+            <a:p>
+              <a:pPr algn="ctr"/>
+              <a:r>
+                <a:rPr lang="en-US" altLang="zh-CN" sz="2400" b="1" dirty="0"/>
+                <a:t>A</a:t>
+              </a:r>
+              <a:endParaRPr lang="en-US" b="1" dirty="0"/>
+            </a:p>
+          </p:txBody>
+        </p:sp>
+        <p:sp>
+          <p:nvSpPr>
+            <p:cNvPr id="10" name="TextBox 9">
+              <a:extLst>
+                <a:ext uri="{FF2B5EF4-FFF2-40B4-BE49-F238E27FC236}">
+                  <a16:creationId xmlns:a16="http://schemas.microsoft.com/office/drawing/2014/main" id="{AA5B64DD-EA19-49D5-80D7-0653F95F0655}"/>
+                </a:ext>
+              </a:extLst>
+            </p:cNvPr>
+            <p:cNvSpPr txBox="1"/>
+            <p:nvPr/>
+          </p:nvSpPr>
+          <p:spPr>
+            <a:xfrm>
+              <a:off x="5441077" y="1570724"/>
+              <a:ext cx="416135" cy="461665"/>
+            </a:xfrm>
+            <a:prstGeom prst="rect">
+              <a:avLst/>
+            </a:prstGeom>
+            <a:noFill/>
+          </p:spPr>
+          <p:txBody>
+            <a:bodyPr wrap="square" rtlCol="0">
+              <a:spAutoFit/>
+            </a:bodyPr>
+            <a:lstStyle/>
+            <a:p>
+              <a:pPr algn="ctr"/>
+              <a:r>
+                <a:rPr lang="en-US" altLang="zh-CN" sz="2400" b="1" dirty="0"/>
+                <a:t>B</a:t>
+              </a:r>
+              <a:endParaRPr lang="en-US" b="1" dirty="0"/>
+            </a:p>
+          </p:txBody>
+        </p:sp>
+      </p:grpSp>
+    </p:spTree>
+    <p:extLst>
+      <p:ext uri="{BB962C8B-B14F-4D97-AF65-F5344CB8AC3E}">
+        <p14:creationId xmlns:p14="http://schemas.microsoft.com/office/powerpoint/2010/main" val="3125577835"/>
+      </p:ext>
+    </p:extLst>
+  </p:cSld>
+  <p:clrMapOvr>
+    <a:masterClrMapping/>
+  </p:clrMapOvr>
+</p:sld>
+</file>
+
 <file path=ppt/theme/theme1.xml><?xml version="1.0" encoding="utf-8"?>
 <a:theme xmlns:a="http://schemas.openxmlformats.org/drawingml/2006/main" name="Office Theme">
   <a:themeElements>
